--- a/ppt 16-9/0254.救主复活.pptx
+++ b/ppt 16-9/0254.救主复活.pptx
@@ -5,7 +5,7 @@
     <p:sldMasterId id="2147483648" r:id="rId1"/>
   </p:sldMasterIdLst>
   <p:sldIdLst>
-    <p:sldId id="3100" r:id="rId2"/>
+    <p:sldId id="3101" r:id="rId2"/>
   </p:sldIdLst>
   <p:sldSz cx="12192000" cy="6858000"/>
   <p:notesSz cx="6858000" cy="9144000"/>
@@ -129,7 +129,7 @@
           <p:cNvPr id="2" name="标题 1">
             <a:extLst>
               <a:ext uri="{FF2B5EF4-FFF2-40B4-BE49-F238E27FC236}">
-                <a16:creationId xmlns:a16="http://schemas.microsoft.com/office/drawing/2014/main" id="{32539CB8-3CE2-EABE-321F-1216629BE489}"/>
+                <a16:creationId xmlns:a16="http://schemas.microsoft.com/office/drawing/2014/main" id="{A9018FAA-5C5D-AF18-A807-7E6AF949AB74}"/>
               </a:ext>
             </a:extLst>
           </p:cNvPr>
@@ -166,7 +166,7 @@
           <p:cNvPr id="3" name="副标题 2">
             <a:extLst>
               <a:ext uri="{FF2B5EF4-FFF2-40B4-BE49-F238E27FC236}">
-                <a16:creationId xmlns:a16="http://schemas.microsoft.com/office/drawing/2014/main" id="{D024F405-F6C9-D428-AC98-8819B8984FC4}"/>
+                <a16:creationId xmlns:a16="http://schemas.microsoft.com/office/drawing/2014/main" id="{DE9FE059-953C-64AB-B994-FB231F9B7206}"/>
               </a:ext>
             </a:extLst>
           </p:cNvPr>
@@ -236,7 +236,7 @@
           <p:cNvPr id="4" name="日期占位符 3">
             <a:extLst>
               <a:ext uri="{FF2B5EF4-FFF2-40B4-BE49-F238E27FC236}">
-                <a16:creationId xmlns:a16="http://schemas.microsoft.com/office/drawing/2014/main" id="{9D6146B9-190E-833C-8C71-4197AB63D107}"/>
+                <a16:creationId xmlns:a16="http://schemas.microsoft.com/office/drawing/2014/main" id="{D5137F77-FADF-B6A8-F7F3-4A9781AD1F1C}"/>
               </a:ext>
             </a:extLst>
           </p:cNvPr>
@@ -252,7 +252,7 @@
           <a:bodyPr/>
           <a:lstStyle/>
           <a:p>
-            <a:fld id="{09953247-75B7-41C3-A319-8823B6786C61}" type="datetimeFigureOut">
+            <a:fld id="{6DF008A8-ECFB-4884-A265-18DFA707401E}" type="datetimeFigureOut">
               <a:rPr lang="zh-CN" altLang="en-US" smtClean="0"/>
               <a:t>2024/3/10</a:t>
             </a:fld>
@@ -265,7 +265,7 @@
           <p:cNvPr id="5" name="页脚占位符 4">
             <a:extLst>
               <a:ext uri="{FF2B5EF4-FFF2-40B4-BE49-F238E27FC236}">
-                <a16:creationId xmlns:a16="http://schemas.microsoft.com/office/drawing/2014/main" id="{F63420C8-9034-9E2C-4988-CC6E422D2EA4}"/>
+                <a16:creationId xmlns:a16="http://schemas.microsoft.com/office/drawing/2014/main" id="{68ABBF20-35BC-91EC-6EFA-8852F4926BF3}"/>
               </a:ext>
             </a:extLst>
           </p:cNvPr>
@@ -290,7 +290,7 @@
           <p:cNvPr id="6" name="灯片编号占位符 5">
             <a:extLst>
               <a:ext uri="{FF2B5EF4-FFF2-40B4-BE49-F238E27FC236}">
-                <a16:creationId xmlns:a16="http://schemas.microsoft.com/office/drawing/2014/main" id="{673642F9-735E-C8B5-3536-F1540DE5D59A}"/>
+                <a16:creationId xmlns:a16="http://schemas.microsoft.com/office/drawing/2014/main" id="{FF380097-109A-9CB6-38C7-4BB9049EC9F7}"/>
               </a:ext>
             </a:extLst>
           </p:cNvPr>
@@ -306,7 +306,7 @@
           <a:bodyPr/>
           <a:lstStyle/>
           <a:p>
-            <a:fld id="{A5FE90A4-EBF7-4C0B-ACC0-3564A353BDF2}" type="slidenum">
+            <a:fld id="{A5E696D8-726F-4A3B-8A9A-9691034C6214}" type="slidenum">
               <a:rPr lang="zh-CN" altLang="en-US" smtClean="0"/>
               <a:t>‹#›</a:t>
             </a:fld>
@@ -317,7 +317,7 @@
     </p:spTree>
     <p:extLst>
       <p:ext uri="{BB962C8B-B14F-4D97-AF65-F5344CB8AC3E}">
-        <p14:creationId xmlns:p14="http://schemas.microsoft.com/office/powerpoint/2010/main" val="2311639917"/>
+        <p14:creationId xmlns:p14="http://schemas.microsoft.com/office/powerpoint/2010/main" val="276026496"/>
       </p:ext>
     </p:extLst>
   </p:cSld>
@@ -349,7 +349,7 @@
           <p:cNvPr id="2" name="标题 1">
             <a:extLst>
               <a:ext uri="{FF2B5EF4-FFF2-40B4-BE49-F238E27FC236}">
-                <a16:creationId xmlns:a16="http://schemas.microsoft.com/office/drawing/2014/main" id="{7662E6FB-9754-A88B-4DF5-E273B0FC6FF0}"/>
+                <a16:creationId xmlns:a16="http://schemas.microsoft.com/office/drawing/2014/main" id="{78E065A2-0915-8AC7-D8DE-C0B999766A28}"/>
               </a:ext>
             </a:extLst>
           </p:cNvPr>
@@ -377,7 +377,7 @@
           <p:cNvPr id="3" name="竖排文字占位符 2">
             <a:extLst>
               <a:ext uri="{FF2B5EF4-FFF2-40B4-BE49-F238E27FC236}">
-                <a16:creationId xmlns:a16="http://schemas.microsoft.com/office/drawing/2014/main" id="{5D48AE00-2662-5A36-8CEE-32C047CC26B6}"/>
+                <a16:creationId xmlns:a16="http://schemas.microsoft.com/office/drawing/2014/main" id="{0A1B24E1-B140-7C0D-32CE-1BAE4ED4538A}"/>
               </a:ext>
             </a:extLst>
           </p:cNvPr>
@@ -434,7 +434,7 @@
           <p:cNvPr id="4" name="日期占位符 3">
             <a:extLst>
               <a:ext uri="{FF2B5EF4-FFF2-40B4-BE49-F238E27FC236}">
-                <a16:creationId xmlns:a16="http://schemas.microsoft.com/office/drawing/2014/main" id="{C61B1CD0-0096-1C9B-2035-BD97D8ED97B5}"/>
+                <a16:creationId xmlns:a16="http://schemas.microsoft.com/office/drawing/2014/main" id="{AF6065EF-C846-FF2A-2574-C5F314229F5F}"/>
               </a:ext>
             </a:extLst>
           </p:cNvPr>
@@ -450,7 +450,7 @@
           <a:bodyPr/>
           <a:lstStyle/>
           <a:p>
-            <a:fld id="{09953247-75B7-41C3-A319-8823B6786C61}" type="datetimeFigureOut">
+            <a:fld id="{6DF008A8-ECFB-4884-A265-18DFA707401E}" type="datetimeFigureOut">
               <a:rPr lang="zh-CN" altLang="en-US" smtClean="0"/>
               <a:t>2024/3/10</a:t>
             </a:fld>
@@ -463,7 +463,7 @@
           <p:cNvPr id="5" name="页脚占位符 4">
             <a:extLst>
               <a:ext uri="{FF2B5EF4-FFF2-40B4-BE49-F238E27FC236}">
-                <a16:creationId xmlns:a16="http://schemas.microsoft.com/office/drawing/2014/main" id="{7A51C346-AF39-30E7-7A0E-EA105E1328F9}"/>
+                <a16:creationId xmlns:a16="http://schemas.microsoft.com/office/drawing/2014/main" id="{6FC69842-E9EE-62D6-BDD4-62DF96896E13}"/>
               </a:ext>
             </a:extLst>
           </p:cNvPr>
@@ -488,7 +488,7 @@
           <p:cNvPr id="6" name="灯片编号占位符 5">
             <a:extLst>
               <a:ext uri="{FF2B5EF4-FFF2-40B4-BE49-F238E27FC236}">
-                <a16:creationId xmlns:a16="http://schemas.microsoft.com/office/drawing/2014/main" id="{BED87B06-5A0B-8704-3CDA-D29847B9132C}"/>
+                <a16:creationId xmlns:a16="http://schemas.microsoft.com/office/drawing/2014/main" id="{91EA9F1E-F55A-D86A-9852-ED1468CEB10E}"/>
               </a:ext>
             </a:extLst>
           </p:cNvPr>
@@ -504,7 +504,7 @@
           <a:bodyPr/>
           <a:lstStyle/>
           <a:p>
-            <a:fld id="{A5FE90A4-EBF7-4C0B-ACC0-3564A353BDF2}" type="slidenum">
+            <a:fld id="{A5E696D8-726F-4A3B-8A9A-9691034C6214}" type="slidenum">
               <a:rPr lang="zh-CN" altLang="en-US" smtClean="0"/>
               <a:t>‹#›</a:t>
             </a:fld>
@@ -515,7 +515,7 @@
     </p:spTree>
     <p:extLst>
       <p:ext uri="{BB962C8B-B14F-4D97-AF65-F5344CB8AC3E}">
-        <p14:creationId xmlns:p14="http://schemas.microsoft.com/office/powerpoint/2010/main" val="2540649515"/>
+        <p14:creationId xmlns:p14="http://schemas.microsoft.com/office/powerpoint/2010/main" val="176964470"/>
       </p:ext>
     </p:extLst>
   </p:cSld>
@@ -547,7 +547,7 @@
           <p:cNvPr id="2" name="竖排标题 1">
             <a:extLst>
               <a:ext uri="{FF2B5EF4-FFF2-40B4-BE49-F238E27FC236}">
-                <a16:creationId xmlns:a16="http://schemas.microsoft.com/office/drawing/2014/main" id="{C400F415-B8F0-06C8-75B8-9ACA9E7DCF60}"/>
+                <a16:creationId xmlns:a16="http://schemas.microsoft.com/office/drawing/2014/main" id="{08A7A5BC-CD20-A44E-A7B0-EFEB3C49699B}"/>
               </a:ext>
             </a:extLst>
           </p:cNvPr>
@@ -580,7 +580,7 @@
           <p:cNvPr id="3" name="竖排文字占位符 2">
             <a:extLst>
               <a:ext uri="{FF2B5EF4-FFF2-40B4-BE49-F238E27FC236}">
-                <a16:creationId xmlns:a16="http://schemas.microsoft.com/office/drawing/2014/main" id="{EA9A4D53-F73E-F455-F808-78A1D8A2166E}"/>
+                <a16:creationId xmlns:a16="http://schemas.microsoft.com/office/drawing/2014/main" id="{BDA46CDC-8753-94D1-0885-37118F81CE64}"/>
               </a:ext>
             </a:extLst>
           </p:cNvPr>
@@ -642,7 +642,7 @@
           <p:cNvPr id="4" name="日期占位符 3">
             <a:extLst>
               <a:ext uri="{FF2B5EF4-FFF2-40B4-BE49-F238E27FC236}">
-                <a16:creationId xmlns:a16="http://schemas.microsoft.com/office/drawing/2014/main" id="{4442BDA2-E978-DA93-0D3A-38238F575A88}"/>
+                <a16:creationId xmlns:a16="http://schemas.microsoft.com/office/drawing/2014/main" id="{E4994AFB-0DCD-2C74-3E2D-B94C0B2BA037}"/>
               </a:ext>
             </a:extLst>
           </p:cNvPr>
@@ -658,7 +658,7 @@
           <a:bodyPr/>
           <a:lstStyle/>
           <a:p>
-            <a:fld id="{09953247-75B7-41C3-A319-8823B6786C61}" type="datetimeFigureOut">
+            <a:fld id="{6DF008A8-ECFB-4884-A265-18DFA707401E}" type="datetimeFigureOut">
               <a:rPr lang="zh-CN" altLang="en-US" smtClean="0"/>
               <a:t>2024/3/10</a:t>
             </a:fld>
@@ -671,7 +671,7 @@
           <p:cNvPr id="5" name="页脚占位符 4">
             <a:extLst>
               <a:ext uri="{FF2B5EF4-FFF2-40B4-BE49-F238E27FC236}">
-                <a16:creationId xmlns:a16="http://schemas.microsoft.com/office/drawing/2014/main" id="{366763B8-F30F-CCB5-D6CB-3C74D856406A}"/>
+                <a16:creationId xmlns:a16="http://schemas.microsoft.com/office/drawing/2014/main" id="{930FBC7F-5BDF-5402-05E7-FA48D65A5636}"/>
               </a:ext>
             </a:extLst>
           </p:cNvPr>
@@ -696,7 +696,7 @@
           <p:cNvPr id="6" name="灯片编号占位符 5">
             <a:extLst>
               <a:ext uri="{FF2B5EF4-FFF2-40B4-BE49-F238E27FC236}">
-                <a16:creationId xmlns:a16="http://schemas.microsoft.com/office/drawing/2014/main" id="{70175D43-0C17-AB21-F89A-B94DD9C25EEA}"/>
+                <a16:creationId xmlns:a16="http://schemas.microsoft.com/office/drawing/2014/main" id="{55D05406-EF9C-2886-EA8A-7D489984E48B}"/>
               </a:ext>
             </a:extLst>
           </p:cNvPr>
@@ -712,7 +712,7 @@
           <a:bodyPr/>
           <a:lstStyle/>
           <a:p>
-            <a:fld id="{A5FE90A4-EBF7-4C0B-ACC0-3564A353BDF2}" type="slidenum">
+            <a:fld id="{A5E696D8-726F-4A3B-8A9A-9691034C6214}" type="slidenum">
               <a:rPr lang="zh-CN" altLang="en-US" smtClean="0"/>
               <a:t>‹#›</a:t>
             </a:fld>
@@ -723,7 +723,7 @@
     </p:spTree>
     <p:extLst>
       <p:ext uri="{BB962C8B-B14F-4D97-AF65-F5344CB8AC3E}">
-        <p14:creationId xmlns:p14="http://schemas.microsoft.com/office/powerpoint/2010/main" val="2074179335"/>
+        <p14:creationId xmlns:p14="http://schemas.microsoft.com/office/powerpoint/2010/main" val="2916738644"/>
       </p:ext>
     </p:extLst>
   </p:cSld>
@@ -755,7 +755,7 @@
           <p:cNvPr id="2" name="标题 1">
             <a:extLst>
               <a:ext uri="{FF2B5EF4-FFF2-40B4-BE49-F238E27FC236}">
-                <a16:creationId xmlns:a16="http://schemas.microsoft.com/office/drawing/2014/main" id="{B5C2585A-38AD-EB50-C931-6BEC3D6EA213}"/>
+                <a16:creationId xmlns:a16="http://schemas.microsoft.com/office/drawing/2014/main" id="{6E63077E-420F-CE20-A60D-5D795B41173B}"/>
               </a:ext>
             </a:extLst>
           </p:cNvPr>
@@ -783,7 +783,7 @@
           <p:cNvPr id="3" name="内容占位符 2">
             <a:extLst>
               <a:ext uri="{FF2B5EF4-FFF2-40B4-BE49-F238E27FC236}">
-                <a16:creationId xmlns:a16="http://schemas.microsoft.com/office/drawing/2014/main" id="{CD3FD7D5-3C94-00B8-63F6-F820DD37E06B}"/>
+                <a16:creationId xmlns:a16="http://schemas.microsoft.com/office/drawing/2014/main" id="{B3E54361-9FA6-A65C-F1BC-4B67D48A51D4}"/>
               </a:ext>
             </a:extLst>
           </p:cNvPr>
@@ -840,7 +840,7 @@
           <p:cNvPr id="4" name="日期占位符 3">
             <a:extLst>
               <a:ext uri="{FF2B5EF4-FFF2-40B4-BE49-F238E27FC236}">
-                <a16:creationId xmlns:a16="http://schemas.microsoft.com/office/drawing/2014/main" id="{E014543F-329A-B2A4-71F1-8DF3B53A8749}"/>
+                <a16:creationId xmlns:a16="http://schemas.microsoft.com/office/drawing/2014/main" id="{8101F629-B8ED-1228-2FE1-1725BFF41A0C}"/>
               </a:ext>
             </a:extLst>
           </p:cNvPr>
@@ -856,7 +856,7 @@
           <a:bodyPr/>
           <a:lstStyle/>
           <a:p>
-            <a:fld id="{09953247-75B7-41C3-A319-8823B6786C61}" type="datetimeFigureOut">
+            <a:fld id="{6DF008A8-ECFB-4884-A265-18DFA707401E}" type="datetimeFigureOut">
               <a:rPr lang="zh-CN" altLang="en-US" smtClean="0"/>
               <a:t>2024/3/10</a:t>
             </a:fld>
@@ -869,7 +869,7 @@
           <p:cNvPr id="5" name="页脚占位符 4">
             <a:extLst>
               <a:ext uri="{FF2B5EF4-FFF2-40B4-BE49-F238E27FC236}">
-                <a16:creationId xmlns:a16="http://schemas.microsoft.com/office/drawing/2014/main" id="{C1B6B666-354A-1313-DD04-B1B774938474}"/>
+                <a16:creationId xmlns:a16="http://schemas.microsoft.com/office/drawing/2014/main" id="{D0B152AD-5D11-EA1A-3430-B8E7285A9FFE}"/>
               </a:ext>
             </a:extLst>
           </p:cNvPr>
@@ -894,7 +894,7 @@
           <p:cNvPr id="6" name="灯片编号占位符 5">
             <a:extLst>
               <a:ext uri="{FF2B5EF4-FFF2-40B4-BE49-F238E27FC236}">
-                <a16:creationId xmlns:a16="http://schemas.microsoft.com/office/drawing/2014/main" id="{5D716693-9FD3-BBF9-813C-9F4F742FE3D7}"/>
+                <a16:creationId xmlns:a16="http://schemas.microsoft.com/office/drawing/2014/main" id="{90DDAA01-FCAA-167A-A91E-F53DD9696386}"/>
               </a:ext>
             </a:extLst>
           </p:cNvPr>
@@ -910,7 +910,7 @@
           <a:bodyPr/>
           <a:lstStyle/>
           <a:p>
-            <a:fld id="{A5FE90A4-EBF7-4C0B-ACC0-3564A353BDF2}" type="slidenum">
+            <a:fld id="{A5E696D8-726F-4A3B-8A9A-9691034C6214}" type="slidenum">
               <a:rPr lang="zh-CN" altLang="en-US" smtClean="0"/>
               <a:t>‹#›</a:t>
             </a:fld>
@@ -921,7 +921,7 @@
     </p:spTree>
     <p:extLst>
       <p:ext uri="{BB962C8B-B14F-4D97-AF65-F5344CB8AC3E}">
-        <p14:creationId xmlns:p14="http://schemas.microsoft.com/office/powerpoint/2010/main" val="4173698306"/>
+        <p14:creationId xmlns:p14="http://schemas.microsoft.com/office/powerpoint/2010/main" val="3455287551"/>
       </p:ext>
     </p:extLst>
   </p:cSld>
@@ -953,7 +953,7 @@
           <p:cNvPr id="2" name="标题 1">
             <a:extLst>
               <a:ext uri="{FF2B5EF4-FFF2-40B4-BE49-F238E27FC236}">
-                <a16:creationId xmlns:a16="http://schemas.microsoft.com/office/drawing/2014/main" id="{4314E235-207B-C2F0-F0DE-B2ED3EDA3F6C}"/>
+                <a16:creationId xmlns:a16="http://schemas.microsoft.com/office/drawing/2014/main" id="{E2801BAB-BB24-A44D-3231-3FD05A6C3C11}"/>
               </a:ext>
             </a:extLst>
           </p:cNvPr>
@@ -990,7 +990,7 @@
           <p:cNvPr id="3" name="文本占位符 2">
             <a:extLst>
               <a:ext uri="{FF2B5EF4-FFF2-40B4-BE49-F238E27FC236}">
-                <a16:creationId xmlns:a16="http://schemas.microsoft.com/office/drawing/2014/main" id="{ED25F232-DDE3-31CC-95E6-5C730C773250}"/>
+                <a16:creationId xmlns:a16="http://schemas.microsoft.com/office/drawing/2014/main" id="{1B41AEA2-DB5E-10EC-6946-4BBB7F08E491}"/>
               </a:ext>
             </a:extLst>
           </p:cNvPr>
@@ -1115,7 +1115,7 @@
           <p:cNvPr id="4" name="日期占位符 3">
             <a:extLst>
               <a:ext uri="{FF2B5EF4-FFF2-40B4-BE49-F238E27FC236}">
-                <a16:creationId xmlns:a16="http://schemas.microsoft.com/office/drawing/2014/main" id="{6D3376B5-3E05-EAD2-84A7-123D0A5C25D9}"/>
+                <a16:creationId xmlns:a16="http://schemas.microsoft.com/office/drawing/2014/main" id="{6D0734D2-FA02-BF1B-575C-21CE55E88A7F}"/>
               </a:ext>
             </a:extLst>
           </p:cNvPr>
@@ -1131,7 +1131,7 @@
           <a:bodyPr/>
           <a:lstStyle/>
           <a:p>
-            <a:fld id="{09953247-75B7-41C3-A319-8823B6786C61}" type="datetimeFigureOut">
+            <a:fld id="{6DF008A8-ECFB-4884-A265-18DFA707401E}" type="datetimeFigureOut">
               <a:rPr lang="zh-CN" altLang="en-US" smtClean="0"/>
               <a:t>2024/3/10</a:t>
             </a:fld>
@@ -1144,7 +1144,7 @@
           <p:cNvPr id="5" name="页脚占位符 4">
             <a:extLst>
               <a:ext uri="{FF2B5EF4-FFF2-40B4-BE49-F238E27FC236}">
-                <a16:creationId xmlns:a16="http://schemas.microsoft.com/office/drawing/2014/main" id="{1253C94F-F2E6-1FEA-4C65-372C4F348244}"/>
+                <a16:creationId xmlns:a16="http://schemas.microsoft.com/office/drawing/2014/main" id="{154BC0AC-F0EB-510A-C380-65B04965A711}"/>
               </a:ext>
             </a:extLst>
           </p:cNvPr>
@@ -1169,7 +1169,7 @@
           <p:cNvPr id="6" name="灯片编号占位符 5">
             <a:extLst>
               <a:ext uri="{FF2B5EF4-FFF2-40B4-BE49-F238E27FC236}">
-                <a16:creationId xmlns:a16="http://schemas.microsoft.com/office/drawing/2014/main" id="{99A62E5A-0490-B899-B05C-8A63FA752947}"/>
+                <a16:creationId xmlns:a16="http://schemas.microsoft.com/office/drawing/2014/main" id="{D46DE703-BE0D-E1AE-EA4D-41C3F11384CC}"/>
               </a:ext>
             </a:extLst>
           </p:cNvPr>
@@ -1185,7 +1185,7 @@
           <a:bodyPr/>
           <a:lstStyle/>
           <a:p>
-            <a:fld id="{A5FE90A4-EBF7-4C0B-ACC0-3564A353BDF2}" type="slidenum">
+            <a:fld id="{A5E696D8-726F-4A3B-8A9A-9691034C6214}" type="slidenum">
               <a:rPr lang="zh-CN" altLang="en-US" smtClean="0"/>
               <a:t>‹#›</a:t>
             </a:fld>
@@ -1196,7 +1196,7 @@
     </p:spTree>
     <p:extLst>
       <p:ext uri="{BB962C8B-B14F-4D97-AF65-F5344CB8AC3E}">
-        <p14:creationId xmlns:p14="http://schemas.microsoft.com/office/powerpoint/2010/main" val="2420364968"/>
+        <p14:creationId xmlns:p14="http://schemas.microsoft.com/office/powerpoint/2010/main" val="2284662307"/>
       </p:ext>
     </p:extLst>
   </p:cSld>
@@ -1228,7 +1228,7 @@
           <p:cNvPr id="2" name="标题 1">
             <a:extLst>
               <a:ext uri="{FF2B5EF4-FFF2-40B4-BE49-F238E27FC236}">
-                <a16:creationId xmlns:a16="http://schemas.microsoft.com/office/drawing/2014/main" id="{AB96D5AC-44DF-B69A-70F0-A74F23C66A2F}"/>
+                <a16:creationId xmlns:a16="http://schemas.microsoft.com/office/drawing/2014/main" id="{E6BBDD21-BA1F-B2BD-C21B-383F7D9FCB0C}"/>
               </a:ext>
             </a:extLst>
           </p:cNvPr>
@@ -1256,7 +1256,7 @@
           <p:cNvPr id="3" name="内容占位符 2">
             <a:extLst>
               <a:ext uri="{FF2B5EF4-FFF2-40B4-BE49-F238E27FC236}">
-                <a16:creationId xmlns:a16="http://schemas.microsoft.com/office/drawing/2014/main" id="{D17E87CC-8D96-7E4D-B65B-09BC70B26EE6}"/>
+                <a16:creationId xmlns:a16="http://schemas.microsoft.com/office/drawing/2014/main" id="{5073212F-2FCB-08C9-B785-6540009B3EAA}"/>
               </a:ext>
             </a:extLst>
           </p:cNvPr>
@@ -1318,7 +1318,7 @@
           <p:cNvPr id="4" name="内容占位符 3">
             <a:extLst>
               <a:ext uri="{FF2B5EF4-FFF2-40B4-BE49-F238E27FC236}">
-                <a16:creationId xmlns:a16="http://schemas.microsoft.com/office/drawing/2014/main" id="{008CCFA1-0AAC-D84D-8A31-AE1618DC1A93}"/>
+                <a16:creationId xmlns:a16="http://schemas.microsoft.com/office/drawing/2014/main" id="{92B526CB-87EC-EC5B-9136-A265878EDE4C}"/>
               </a:ext>
             </a:extLst>
           </p:cNvPr>
@@ -1380,7 +1380,7 @@
           <p:cNvPr id="5" name="日期占位符 4">
             <a:extLst>
               <a:ext uri="{FF2B5EF4-FFF2-40B4-BE49-F238E27FC236}">
-                <a16:creationId xmlns:a16="http://schemas.microsoft.com/office/drawing/2014/main" id="{73B52B11-DE71-9BCE-2BC0-B1899ADA6251}"/>
+                <a16:creationId xmlns:a16="http://schemas.microsoft.com/office/drawing/2014/main" id="{5FC755B6-7A4D-3086-AB7F-56E0C486DD24}"/>
               </a:ext>
             </a:extLst>
           </p:cNvPr>
@@ -1396,7 +1396,7 @@
           <a:bodyPr/>
           <a:lstStyle/>
           <a:p>
-            <a:fld id="{09953247-75B7-41C3-A319-8823B6786C61}" type="datetimeFigureOut">
+            <a:fld id="{6DF008A8-ECFB-4884-A265-18DFA707401E}" type="datetimeFigureOut">
               <a:rPr lang="zh-CN" altLang="en-US" smtClean="0"/>
               <a:t>2024/3/10</a:t>
             </a:fld>
@@ -1409,7 +1409,7 @@
           <p:cNvPr id="6" name="页脚占位符 5">
             <a:extLst>
               <a:ext uri="{FF2B5EF4-FFF2-40B4-BE49-F238E27FC236}">
-                <a16:creationId xmlns:a16="http://schemas.microsoft.com/office/drawing/2014/main" id="{4040D51C-70A8-C427-3C46-9C6FE05BC462}"/>
+                <a16:creationId xmlns:a16="http://schemas.microsoft.com/office/drawing/2014/main" id="{4EA5EE64-515D-AC28-4415-F9AEE8663354}"/>
               </a:ext>
             </a:extLst>
           </p:cNvPr>
@@ -1434,7 +1434,7 @@
           <p:cNvPr id="7" name="灯片编号占位符 6">
             <a:extLst>
               <a:ext uri="{FF2B5EF4-FFF2-40B4-BE49-F238E27FC236}">
-                <a16:creationId xmlns:a16="http://schemas.microsoft.com/office/drawing/2014/main" id="{6D6B99C9-AE48-2F32-313A-ABCDE7AA8EF3}"/>
+                <a16:creationId xmlns:a16="http://schemas.microsoft.com/office/drawing/2014/main" id="{9EDC295A-AA78-F9C7-FEBB-0534C38CFE73}"/>
               </a:ext>
             </a:extLst>
           </p:cNvPr>
@@ -1450,7 +1450,7 @@
           <a:bodyPr/>
           <a:lstStyle/>
           <a:p>
-            <a:fld id="{A5FE90A4-EBF7-4C0B-ACC0-3564A353BDF2}" type="slidenum">
+            <a:fld id="{A5E696D8-726F-4A3B-8A9A-9691034C6214}" type="slidenum">
               <a:rPr lang="zh-CN" altLang="en-US" smtClean="0"/>
               <a:t>‹#›</a:t>
             </a:fld>
@@ -1461,7 +1461,7 @@
     </p:spTree>
     <p:extLst>
       <p:ext uri="{BB962C8B-B14F-4D97-AF65-F5344CB8AC3E}">
-        <p14:creationId xmlns:p14="http://schemas.microsoft.com/office/powerpoint/2010/main" val="2131737262"/>
+        <p14:creationId xmlns:p14="http://schemas.microsoft.com/office/powerpoint/2010/main" val="1272983596"/>
       </p:ext>
     </p:extLst>
   </p:cSld>
@@ -1493,7 +1493,7 @@
           <p:cNvPr id="2" name="标题 1">
             <a:extLst>
               <a:ext uri="{FF2B5EF4-FFF2-40B4-BE49-F238E27FC236}">
-                <a16:creationId xmlns:a16="http://schemas.microsoft.com/office/drawing/2014/main" id="{0A0D8597-524E-E1C3-8596-89D5FF6FBBAE}"/>
+                <a16:creationId xmlns:a16="http://schemas.microsoft.com/office/drawing/2014/main" id="{16351564-2B24-62F2-8877-054145F06BF7}"/>
               </a:ext>
             </a:extLst>
           </p:cNvPr>
@@ -1526,7 +1526,7 @@
           <p:cNvPr id="3" name="文本占位符 2">
             <a:extLst>
               <a:ext uri="{FF2B5EF4-FFF2-40B4-BE49-F238E27FC236}">
-                <a16:creationId xmlns:a16="http://schemas.microsoft.com/office/drawing/2014/main" id="{69803AD8-CAAF-0686-F4E0-045FB2A37E13}"/>
+                <a16:creationId xmlns:a16="http://schemas.microsoft.com/office/drawing/2014/main" id="{AE337D13-ECD7-5F79-481D-1F4A49C9A06F}"/>
               </a:ext>
             </a:extLst>
           </p:cNvPr>
@@ -1597,7 +1597,7 @@
           <p:cNvPr id="4" name="内容占位符 3">
             <a:extLst>
               <a:ext uri="{FF2B5EF4-FFF2-40B4-BE49-F238E27FC236}">
-                <a16:creationId xmlns:a16="http://schemas.microsoft.com/office/drawing/2014/main" id="{C9E82D46-C16B-6F5A-F14E-3075E128A12E}"/>
+                <a16:creationId xmlns:a16="http://schemas.microsoft.com/office/drawing/2014/main" id="{A1B9F63B-4DE5-8289-DBA2-965DC8CC5B10}"/>
               </a:ext>
             </a:extLst>
           </p:cNvPr>
@@ -1659,7 +1659,7 @@
           <p:cNvPr id="5" name="文本占位符 4">
             <a:extLst>
               <a:ext uri="{FF2B5EF4-FFF2-40B4-BE49-F238E27FC236}">
-                <a16:creationId xmlns:a16="http://schemas.microsoft.com/office/drawing/2014/main" id="{E764E6AF-57AE-9E15-2C8F-01E236D2CD51}"/>
+                <a16:creationId xmlns:a16="http://schemas.microsoft.com/office/drawing/2014/main" id="{808ED252-1FE5-94F3-F58C-AB43EFC4B635}"/>
               </a:ext>
             </a:extLst>
           </p:cNvPr>
@@ -1730,7 +1730,7 @@
           <p:cNvPr id="6" name="内容占位符 5">
             <a:extLst>
               <a:ext uri="{FF2B5EF4-FFF2-40B4-BE49-F238E27FC236}">
-                <a16:creationId xmlns:a16="http://schemas.microsoft.com/office/drawing/2014/main" id="{EBBFD422-F935-CF56-F31D-6EF866CDD4B7}"/>
+                <a16:creationId xmlns:a16="http://schemas.microsoft.com/office/drawing/2014/main" id="{7E8CB99E-F662-3A45-EE85-303CB3440F5D}"/>
               </a:ext>
             </a:extLst>
           </p:cNvPr>
@@ -1792,7 +1792,7 @@
           <p:cNvPr id="7" name="日期占位符 6">
             <a:extLst>
               <a:ext uri="{FF2B5EF4-FFF2-40B4-BE49-F238E27FC236}">
-                <a16:creationId xmlns:a16="http://schemas.microsoft.com/office/drawing/2014/main" id="{45887BAF-32F4-8FF5-414E-939570474F84}"/>
+                <a16:creationId xmlns:a16="http://schemas.microsoft.com/office/drawing/2014/main" id="{1E9EABAC-25D8-B496-9694-BA4E4B5329FE}"/>
               </a:ext>
             </a:extLst>
           </p:cNvPr>
@@ -1808,7 +1808,7 @@
           <a:bodyPr/>
           <a:lstStyle/>
           <a:p>
-            <a:fld id="{09953247-75B7-41C3-A319-8823B6786C61}" type="datetimeFigureOut">
+            <a:fld id="{6DF008A8-ECFB-4884-A265-18DFA707401E}" type="datetimeFigureOut">
               <a:rPr lang="zh-CN" altLang="en-US" smtClean="0"/>
               <a:t>2024/3/10</a:t>
             </a:fld>
@@ -1821,7 +1821,7 @@
           <p:cNvPr id="8" name="页脚占位符 7">
             <a:extLst>
               <a:ext uri="{FF2B5EF4-FFF2-40B4-BE49-F238E27FC236}">
-                <a16:creationId xmlns:a16="http://schemas.microsoft.com/office/drawing/2014/main" id="{0DA3B8B4-549F-0E6A-CB1C-0765B974E08A}"/>
+                <a16:creationId xmlns:a16="http://schemas.microsoft.com/office/drawing/2014/main" id="{24E0A14F-1850-9541-0558-5BA2F665EC62}"/>
               </a:ext>
             </a:extLst>
           </p:cNvPr>
@@ -1846,7 +1846,7 @@
           <p:cNvPr id="9" name="灯片编号占位符 8">
             <a:extLst>
               <a:ext uri="{FF2B5EF4-FFF2-40B4-BE49-F238E27FC236}">
-                <a16:creationId xmlns:a16="http://schemas.microsoft.com/office/drawing/2014/main" id="{D9256191-D861-0C81-CAD6-EA553DE0C410}"/>
+                <a16:creationId xmlns:a16="http://schemas.microsoft.com/office/drawing/2014/main" id="{9E35857E-4A15-2C8E-18A2-645DE2F6CF6B}"/>
               </a:ext>
             </a:extLst>
           </p:cNvPr>
@@ -1862,7 +1862,7 @@
           <a:bodyPr/>
           <a:lstStyle/>
           <a:p>
-            <a:fld id="{A5FE90A4-EBF7-4C0B-ACC0-3564A353BDF2}" type="slidenum">
+            <a:fld id="{A5E696D8-726F-4A3B-8A9A-9691034C6214}" type="slidenum">
               <a:rPr lang="zh-CN" altLang="en-US" smtClean="0"/>
               <a:t>‹#›</a:t>
             </a:fld>
@@ -1873,7 +1873,7 @@
     </p:spTree>
     <p:extLst>
       <p:ext uri="{BB962C8B-B14F-4D97-AF65-F5344CB8AC3E}">
-        <p14:creationId xmlns:p14="http://schemas.microsoft.com/office/powerpoint/2010/main" val="2956964622"/>
+        <p14:creationId xmlns:p14="http://schemas.microsoft.com/office/powerpoint/2010/main" val="1687549493"/>
       </p:ext>
     </p:extLst>
   </p:cSld>
@@ -1905,7 +1905,7 @@
           <p:cNvPr id="2" name="标题 1">
             <a:extLst>
               <a:ext uri="{FF2B5EF4-FFF2-40B4-BE49-F238E27FC236}">
-                <a16:creationId xmlns:a16="http://schemas.microsoft.com/office/drawing/2014/main" id="{C905F7E8-4A58-4656-01D6-576D06B6529C}"/>
+                <a16:creationId xmlns:a16="http://schemas.microsoft.com/office/drawing/2014/main" id="{F0297E59-297C-0A9B-1DAB-AE004A8240EE}"/>
               </a:ext>
             </a:extLst>
           </p:cNvPr>
@@ -1933,7 +1933,7 @@
           <p:cNvPr id="3" name="日期占位符 2">
             <a:extLst>
               <a:ext uri="{FF2B5EF4-FFF2-40B4-BE49-F238E27FC236}">
-                <a16:creationId xmlns:a16="http://schemas.microsoft.com/office/drawing/2014/main" id="{A9195FCF-FE4A-DD92-904B-0D1F90D66F35}"/>
+                <a16:creationId xmlns:a16="http://schemas.microsoft.com/office/drawing/2014/main" id="{9366F441-676B-FCB1-E6D8-EE1CDD87A1B2}"/>
               </a:ext>
             </a:extLst>
           </p:cNvPr>
@@ -1949,7 +1949,7 @@
           <a:bodyPr/>
           <a:lstStyle/>
           <a:p>
-            <a:fld id="{09953247-75B7-41C3-A319-8823B6786C61}" type="datetimeFigureOut">
+            <a:fld id="{6DF008A8-ECFB-4884-A265-18DFA707401E}" type="datetimeFigureOut">
               <a:rPr lang="zh-CN" altLang="en-US" smtClean="0"/>
               <a:t>2024/3/10</a:t>
             </a:fld>
@@ -1962,7 +1962,7 @@
           <p:cNvPr id="4" name="页脚占位符 3">
             <a:extLst>
               <a:ext uri="{FF2B5EF4-FFF2-40B4-BE49-F238E27FC236}">
-                <a16:creationId xmlns:a16="http://schemas.microsoft.com/office/drawing/2014/main" id="{6E444AF3-30B0-7258-7051-F9C60880C68F}"/>
+                <a16:creationId xmlns:a16="http://schemas.microsoft.com/office/drawing/2014/main" id="{15D779B8-C652-55DB-0658-0F9661985186}"/>
               </a:ext>
             </a:extLst>
           </p:cNvPr>
@@ -1987,7 +1987,7 @@
           <p:cNvPr id="5" name="灯片编号占位符 4">
             <a:extLst>
               <a:ext uri="{FF2B5EF4-FFF2-40B4-BE49-F238E27FC236}">
-                <a16:creationId xmlns:a16="http://schemas.microsoft.com/office/drawing/2014/main" id="{B838B1FA-AC20-65E6-FAFB-31728B9136E8}"/>
+                <a16:creationId xmlns:a16="http://schemas.microsoft.com/office/drawing/2014/main" id="{AC50E254-F1C1-A89E-6BDA-05BEEBE07703}"/>
               </a:ext>
             </a:extLst>
           </p:cNvPr>
@@ -2003,7 +2003,7 @@
           <a:bodyPr/>
           <a:lstStyle/>
           <a:p>
-            <a:fld id="{A5FE90A4-EBF7-4C0B-ACC0-3564A353BDF2}" type="slidenum">
+            <a:fld id="{A5E696D8-726F-4A3B-8A9A-9691034C6214}" type="slidenum">
               <a:rPr lang="zh-CN" altLang="en-US" smtClean="0"/>
               <a:t>‹#›</a:t>
             </a:fld>
@@ -2014,7 +2014,7 @@
     </p:spTree>
     <p:extLst>
       <p:ext uri="{BB962C8B-B14F-4D97-AF65-F5344CB8AC3E}">
-        <p14:creationId xmlns:p14="http://schemas.microsoft.com/office/powerpoint/2010/main" val="298080343"/>
+        <p14:creationId xmlns:p14="http://schemas.microsoft.com/office/powerpoint/2010/main" val="693662986"/>
       </p:ext>
     </p:extLst>
   </p:cSld>
@@ -2046,7 +2046,7 @@
           <p:cNvPr id="2" name="日期占位符 1">
             <a:extLst>
               <a:ext uri="{FF2B5EF4-FFF2-40B4-BE49-F238E27FC236}">
-                <a16:creationId xmlns:a16="http://schemas.microsoft.com/office/drawing/2014/main" id="{023A2C18-D01C-9228-C516-139F1CDDEC13}"/>
+                <a16:creationId xmlns:a16="http://schemas.microsoft.com/office/drawing/2014/main" id="{896B6324-C9EE-F5CA-28C0-6E913B7F8AE4}"/>
               </a:ext>
             </a:extLst>
           </p:cNvPr>
@@ -2062,7 +2062,7 @@
           <a:bodyPr/>
           <a:lstStyle/>
           <a:p>
-            <a:fld id="{09953247-75B7-41C3-A319-8823B6786C61}" type="datetimeFigureOut">
+            <a:fld id="{6DF008A8-ECFB-4884-A265-18DFA707401E}" type="datetimeFigureOut">
               <a:rPr lang="zh-CN" altLang="en-US" smtClean="0"/>
               <a:t>2024/3/10</a:t>
             </a:fld>
@@ -2075,7 +2075,7 @@
           <p:cNvPr id="3" name="页脚占位符 2">
             <a:extLst>
               <a:ext uri="{FF2B5EF4-FFF2-40B4-BE49-F238E27FC236}">
-                <a16:creationId xmlns:a16="http://schemas.microsoft.com/office/drawing/2014/main" id="{F28D26B2-1428-4ACA-2471-38A44207D87A}"/>
+                <a16:creationId xmlns:a16="http://schemas.microsoft.com/office/drawing/2014/main" id="{7A4C4793-95E6-5E1E-A0F7-B10B670F04A2}"/>
               </a:ext>
             </a:extLst>
           </p:cNvPr>
@@ -2100,7 +2100,7 @@
           <p:cNvPr id="4" name="灯片编号占位符 3">
             <a:extLst>
               <a:ext uri="{FF2B5EF4-FFF2-40B4-BE49-F238E27FC236}">
-                <a16:creationId xmlns:a16="http://schemas.microsoft.com/office/drawing/2014/main" id="{BA6FCE86-49BF-094F-5B70-DEBD84C650C9}"/>
+                <a16:creationId xmlns:a16="http://schemas.microsoft.com/office/drawing/2014/main" id="{86D940EB-1056-A810-AE68-BE54CD225934}"/>
               </a:ext>
             </a:extLst>
           </p:cNvPr>
@@ -2116,7 +2116,7 @@
           <a:bodyPr/>
           <a:lstStyle/>
           <a:p>
-            <a:fld id="{A5FE90A4-EBF7-4C0B-ACC0-3564A353BDF2}" type="slidenum">
+            <a:fld id="{A5E696D8-726F-4A3B-8A9A-9691034C6214}" type="slidenum">
               <a:rPr lang="zh-CN" altLang="en-US" smtClean="0"/>
               <a:t>‹#›</a:t>
             </a:fld>
@@ -2127,7 +2127,7 @@
     </p:spTree>
     <p:extLst>
       <p:ext uri="{BB962C8B-B14F-4D97-AF65-F5344CB8AC3E}">
-        <p14:creationId xmlns:p14="http://schemas.microsoft.com/office/powerpoint/2010/main" val="3521604030"/>
+        <p14:creationId xmlns:p14="http://schemas.microsoft.com/office/powerpoint/2010/main" val="658109026"/>
       </p:ext>
     </p:extLst>
   </p:cSld>
@@ -2159,7 +2159,7 @@
           <p:cNvPr id="2" name="标题 1">
             <a:extLst>
               <a:ext uri="{FF2B5EF4-FFF2-40B4-BE49-F238E27FC236}">
-                <a16:creationId xmlns:a16="http://schemas.microsoft.com/office/drawing/2014/main" id="{95A5202C-D60F-1AEC-446F-E253606028D6}"/>
+                <a16:creationId xmlns:a16="http://schemas.microsoft.com/office/drawing/2014/main" id="{E816030C-50A2-9215-D35E-3E1F6A323DA9}"/>
               </a:ext>
             </a:extLst>
           </p:cNvPr>
@@ -2196,7 +2196,7 @@
           <p:cNvPr id="3" name="内容占位符 2">
             <a:extLst>
               <a:ext uri="{FF2B5EF4-FFF2-40B4-BE49-F238E27FC236}">
-                <a16:creationId xmlns:a16="http://schemas.microsoft.com/office/drawing/2014/main" id="{5C189B22-4059-8AE9-1A22-A774234691C1}"/>
+                <a16:creationId xmlns:a16="http://schemas.microsoft.com/office/drawing/2014/main" id="{FAFE178C-D57F-1037-4573-8329424F5361}"/>
               </a:ext>
             </a:extLst>
           </p:cNvPr>
@@ -2286,7 +2286,7 @@
           <p:cNvPr id="4" name="文本占位符 3">
             <a:extLst>
               <a:ext uri="{FF2B5EF4-FFF2-40B4-BE49-F238E27FC236}">
-                <a16:creationId xmlns:a16="http://schemas.microsoft.com/office/drawing/2014/main" id="{79F0E48D-E4F4-7293-7E43-169695D19A05}"/>
+                <a16:creationId xmlns:a16="http://schemas.microsoft.com/office/drawing/2014/main" id="{EFEA2E55-E570-85B7-CC2D-AE791C6074E3}"/>
               </a:ext>
             </a:extLst>
           </p:cNvPr>
@@ -2357,7 +2357,7 @@
           <p:cNvPr id="5" name="日期占位符 4">
             <a:extLst>
               <a:ext uri="{FF2B5EF4-FFF2-40B4-BE49-F238E27FC236}">
-                <a16:creationId xmlns:a16="http://schemas.microsoft.com/office/drawing/2014/main" id="{62C05F9A-07B5-3C63-3F58-576BF5DDAA91}"/>
+                <a16:creationId xmlns:a16="http://schemas.microsoft.com/office/drawing/2014/main" id="{50445EB8-7B79-F539-86E3-46416A914F67}"/>
               </a:ext>
             </a:extLst>
           </p:cNvPr>
@@ -2373,7 +2373,7 @@
           <a:bodyPr/>
           <a:lstStyle/>
           <a:p>
-            <a:fld id="{09953247-75B7-41C3-A319-8823B6786C61}" type="datetimeFigureOut">
+            <a:fld id="{6DF008A8-ECFB-4884-A265-18DFA707401E}" type="datetimeFigureOut">
               <a:rPr lang="zh-CN" altLang="en-US" smtClean="0"/>
               <a:t>2024/3/10</a:t>
             </a:fld>
@@ -2386,7 +2386,7 @@
           <p:cNvPr id="6" name="页脚占位符 5">
             <a:extLst>
               <a:ext uri="{FF2B5EF4-FFF2-40B4-BE49-F238E27FC236}">
-                <a16:creationId xmlns:a16="http://schemas.microsoft.com/office/drawing/2014/main" id="{FA66717B-00A9-F342-B2BD-E28C5EDD399C}"/>
+                <a16:creationId xmlns:a16="http://schemas.microsoft.com/office/drawing/2014/main" id="{800603CD-0F63-A5F7-2BA3-4876D19F9D73}"/>
               </a:ext>
             </a:extLst>
           </p:cNvPr>
@@ -2411,7 +2411,7 @@
           <p:cNvPr id="7" name="灯片编号占位符 6">
             <a:extLst>
               <a:ext uri="{FF2B5EF4-FFF2-40B4-BE49-F238E27FC236}">
-                <a16:creationId xmlns:a16="http://schemas.microsoft.com/office/drawing/2014/main" id="{CF4A4C99-2871-AF48-7EEF-8781B363B384}"/>
+                <a16:creationId xmlns:a16="http://schemas.microsoft.com/office/drawing/2014/main" id="{FC3D6AAE-1B65-7F0C-9191-67B1B6A1AEB8}"/>
               </a:ext>
             </a:extLst>
           </p:cNvPr>
@@ -2427,7 +2427,7 @@
           <a:bodyPr/>
           <a:lstStyle/>
           <a:p>
-            <a:fld id="{A5FE90A4-EBF7-4C0B-ACC0-3564A353BDF2}" type="slidenum">
+            <a:fld id="{A5E696D8-726F-4A3B-8A9A-9691034C6214}" type="slidenum">
               <a:rPr lang="zh-CN" altLang="en-US" smtClean="0"/>
               <a:t>‹#›</a:t>
             </a:fld>
@@ -2438,7 +2438,7 @@
     </p:spTree>
     <p:extLst>
       <p:ext uri="{BB962C8B-B14F-4D97-AF65-F5344CB8AC3E}">
-        <p14:creationId xmlns:p14="http://schemas.microsoft.com/office/powerpoint/2010/main" val="2960095810"/>
+        <p14:creationId xmlns:p14="http://schemas.microsoft.com/office/powerpoint/2010/main" val="3592252012"/>
       </p:ext>
     </p:extLst>
   </p:cSld>
@@ -2470,7 +2470,7 @@
           <p:cNvPr id="2" name="标题 1">
             <a:extLst>
               <a:ext uri="{FF2B5EF4-FFF2-40B4-BE49-F238E27FC236}">
-                <a16:creationId xmlns:a16="http://schemas.microsoft.com/office/drawing/2014/main" id="{4BB7FBBD-0959-00AA-367E-F5FCFAD5ED74}"/>
+                <a16:creationId xmlns:a16="http://schemas.microsoft.com/office/drawing/2014/main" id="{5BE7B232-05A3-7C99-2B82-841932B53DF0}"/>
               </a:ext>
             </a:extLst>
           </p:cNvPr>
@@ -2507,7 +2507,7 @@
           <p:cNvPr id="3" name="图片占位符 2">
             <a:extLst>
               <a:ext uri="{FF2B5EF4-FFF2-40B4-BE49-F238E27FC236}">
-                <a16:creationId xmlns:a16="http://schemas.microsoft.com/office/drawing/2014/main" id="{F8A68708-8A47-D389-9C72-7D9802F09D72}"/>
+                <a16:creationId xmlns:a16="http://schemas.microsoft.com/office/drawing/2014/main" id="{6951AC41-C463-980E-ED90-759A37005638}"/>
               </a:ext>
             </a:extLst>
           </p:cNvPr>
@@ -2574,7 +2574,7 @@
           <p:cNvPr id="4" name="文本占位符 3">
             <a:extLst>
               <a:ext uri="{FF2B5EF4-FFF2-40B4-BE49-F238E27FC236}">
-                <a16:creationId xmlns:a16="http://schemas.microsoft.com/office/drawing/2014/main" id="{F8B079CB-B4F3-280A-1A52-D1652A23123C}"/>
+                <a16:creationId xmlns:a16="http://schemas.microsoft.com/office/drawing/2014/main" id="{FFCD9902-4D83-70F5-079A-CEC96E0B7F10}"/>
               </a:ext>
             </a:extLst>
           </p:cNvPr>
@@ -2645,7 +2645,7 @@
           <p:cNvPr id="5" name="日期占位符 4">
             <a:extLst>
               <a:ext uri="{FF2B5EF4-FFF2-40B4-BE49-F238E27FC236}">
-                <a16:creationId xmlns:a16="http://schemas.microsoft.com/office/drawing/2014/main" id="{18DC72B9-E656-BC72-1EE0-1B832E4F2EDB}"/>
+                <a16:creationId xmlns:a16="http://schemas.microsoft.com/office/drawing/2014/main" id="{AFA7692E-F329-2B22-DD16-E1A205722B3B}"/>
               </a:ext>
             </a:extLst>
           </p:cNvPr>
@@ -2661,7 +2661,7 @@
           <a:bodyPr/>
           <a:lstStyle/>
           <a:p>
-            <a:fld id="{09953247-75B7-41C3-A319-8823B6786C61}" type="datetimeFigureOut">
+            <a:fld id="{6DF008A8-ECFB-4884-A265-18DFA707401E}" type="datetimeFigureOut">
               <a:rPr lang="zh-CN" altLang="en-US" smtClean="0"/>
               <a:t>2024/3/10</a:t>
             </a:fld>
@@ -2674,7 +2674,7 @@
           <p:cNvPr id="6" name="页脚占位符 5">
             <a:extLst>
               <a:ext uri="{FF2B5EF4-FFF2-40B4-BE49-F238E27FC236}">
-                <a16:creationId xmlns:a16="http://schemas.microsoft.com/office/drawing/2014/main" id="{C4CED148-13AC-5CB4-9B01-6506FD6A9135}"/>
+                <a16:creationId xmlns:a16="http://schemas.microsoft.com/office/drawing/2014/main" id="{45F6E87E-D3E5-9480-173E-8CAD7393EBDC}"/>
               </a:ext>
             </a:extLst>
           </p:cNvPr>
@@ -2699,7 +2699,7 @@
           <p:cNvPr id="7" name="灯片编号占位符 6">
             <a:extLst>
               <a:ext uri="{FF2B5EF4-FFF2-40B4-BE49-F238E27FC236}">
-                <a16:creationId xmlns:a16="http://schemas.microsoft.com/office/drawing/2014/main" id="{FA0724BA-E3D0-2B3B-64E8-F295B6A8CFA4}"/>
+                <a16:creationId xmlns:a16="http://schemas.microsoft.com/office/drawing/2014/main" id="{F0DFF219-0704-70C4-64AD-B2264555B422}"/>
               </a:ext>
             </a:extLst>
           </p:cNvPr>
@@ -2715,7 +2715,7 @@
           <a:bodyPr/>
           <a:lstStyle/>
           <a:p>
-            <a:fld id="{A5FE90A4-EBF7-4C0B-ACC0-3564A353BDF2}" type="slidenum">
+            <a:fld id="{A5E696D8-726F-4A3B-8A9A-9691034C6214}" type="slidenum">
               <a:rPr lang="zh-CN" altLang="en-US" smtClean="0"/>
               <a:t>‹#›</a:t>
             </a:fld>
@@ -2726,7 +2726,7 @@
     </p:spTree>
     <p:extLst>
       <p:ext uri="{BB962C8B-B14F-4D97-AF65-F5344CB8AC3E}">
-        <p14:creationId xmlns:p14="http://schemas.microsoft.com/office/powerpoint/2010/main" val="2908652399"/>
+        <p14:creationId xmlns:p14="http://schemas.microsoft.com/office/powerpoint/2010/main" val="4129721480"/>
       </p:ext>
     </p:extLst>
   </p:cSld>
@@ -2763,7 +2763,7 @@
           <p:cNvPr id="2" name="标题占位符 1">
             <a:extLst>
               <a:ext uri="{FF2B5EF4-FFF2-40B4-BE49-F238E27FC236}">
-                <a16:creationId xmlns:a16="http://schemas.microsoft.com/office/drawing/2014/main" id="{4FA95723-62E1-6CCB-3A9D-05AB241C6712}"/>
+                <a16:creationId xmlns:a16="http://schemas.microsoft.com/office/drawing/2014/main" id="{78DFDEE2-0A70-6D9D-C6B5-36FF6A835699}"/>
               </a:ext>
             </a:extLst>
           </p:cNvPr>
@@ -2801,7 +2801,7 @@
           <p:cNvPr id="3" name="文本占位符 2">
             <a:extLst>
               <a:ext uri="{FF2B5EF4-FFF2-40B4-BE49-F238E27FC236}">
-                <a16:creationId xmlns:a16="http://schemas.microsoft.com/office/drawing/2014/main" id="{040E2390-66F2-D205-5959-E96D3ECBE34D}"/>
+                <a16:creationId xmlns:a16="http://schemas.microsoft.com/office/drawing/2014/main" id="{5100D30C-A159-503C-0240-8681B2D167D5}"/>
               </a:ext>
             </a:extLst>
           </p:cNvPr>
@@ -2868,7 +2868,7 @@
           <p:cNvPr id="4" name="日期占位符 3">
             <a:extLst>
               <a:ext uri="{FF2B5EF4-FFF2-40B4-BE49-F238E27FC236}">
-                <a16:creationId xmlns:a16="http://schemas.microsoft.com/office/drawing/2014/main" id="{24822E78-2003-517C-D2A6-BB3079241754}"/>
+                <a16:creationId xmlns:a16="http://schemas.microsoft.com/office/drawing/2014/main" id="{968CE5BB-A607-3353-6C6B-38862C8E2B55}"/>
               </a:ext>
             </a:extLst>
           </p:cNvPr>
@@ -2902,7 +2902,7 @@
             </a:lvl1pPr>
           </a:lstStyle>
           <a:p>
-            <a:fld id="{09953247-75B7-41C3-A319-8823B6786C61}" type="datetimeFigureOut">
+            <a:fld id="{6DF008A8-ECFB-4884-A265-18DFA707401E}" type="datetimeFigureOut">
               <a:rPr lang="zh-CN" altLang="en-US" smtClean="0"/>
               <a:t>2024/3/10</a:t>
             </a:fld>
@@ -2915,7 +2915,7 @@
           <p:cNvPr id="5" name="页脚占位符 4">
             <a:extLst>
               <a:ext uri="{FF2B5EF4-FFF2-40B4-BE49-F238E27FC236}">
-                <a16:creationId xmlns:a16="http://schemas.microsoft.com/office/drawing/2014/main" id="{D1E340CA-747F-A064-84C2-98CE7DF9EEAD}"/>
+                <a16:creationId xmlns:a16="http://schemas.microsoft.com/office/drawing/2014/main" id="{7AC7A109-7527-FAE3-07C4-C9645545E1DA}"/>
               </a:ext>
             </a:extLst>
           </p:cNvPr>
@@ -2958,7 +2958,7 @@
           <p:cNvPr id="6" name="灯片编号占位符 5">
             <a:extLst>
               <a:ext uri="{FF2B5EF4-FFF2-40B4-BE49-F238E27FC236}">
-                <a16:creationId xmlns:a16="http://schemas.microsoft.com/office/drawing/2014/main" id="{BD8C0463-04FA-DB59-6072-828ECBFCE315}"/>
+                <a16:creationId xmlns:a16="http://schemas.microsoft.com/office/drawing/2014/main" id="{BB219A93-4186-1ACE-6A35-09B44726E1CA}"/>
               </a:ext>
             </a:extLst>
           </p:cNvPr>
@@ -2992,7 +2992,7 @@
             </a:lvl1pPr>
           </a:lstStyle>
           <a:p>
-            <a:fld id="{A5FE90A4-EBF7-4C0B-ACC0-3564A353BDF2}" type="slidenum">
+            <a:fld id="{A5E696D8-726F-4A3B-8A9A-9691034C6214}" type="slidenum">
               <a:rPr lang="zh-CN" altLang="en-US" smtClean="0"/>
               <a:t>‹#›</a:t>
             </a:fld>
@@ -3003,7 +3003,7 @@
     </p:spTree>
     <p:extLst>
       <p:ext uri="{BB962C8B-B14F-4D97-AF65-F5344CB8AC3E}">
-        <p14:creationId xmlns:p14="http://schemas.microsoft.com/office/powerpoint/2010/main" val="3130731618"/>
+        <p14:creationId xmlns:p14="http://schemas.microsoft.com/office/powerpoint/2010/main" val="626085"/>
       </p:ext>
     </p:extLst>
   </p:cSld>
@@ -3323,7 +3323,7 @@
       </p:grpSpPr>
       <p:pic>
         <p:nvPicPr>
-          <p:cNvPr id="260098" name="Picture 2" descr="253"/>
+          <p:cNvPr id="261122" name="Picture 2" descr="254"/>
           <p:cNvPicPr>
             <a:picLocks noChangeAspect="1" noChangeArrowheads="1"/>
           </p:cNvPicPr>
